--- a/presentation/Final- WaveletBasedClusteringOfTimeSeries 2.pptx
+++ b/presentation/Final- WaveletBasedClusteringOfTimeSeries 2.pptx
@@ -6000,7 +6000,6 @@
               <a:rPr lang="en-US" sz="2400" dirty="0" smtClean="0"/>
               <a:t>For missing items, we do interpolate() in python to create 1024 time series data for each pair.</a:t>
             </a:r>
-            <a:endParaRPr sz="2400"/>
           </a:p>
           <a:p>
             <a:pPr marL="427789" lvl="0" indent="-427789">
@@ -6010,7 +6009,11 @@
             </a:pPr>
             <a:r>
               <a:rPr lang="en-US" sz="2400" dirty="0" smtClean="0"/>
-              <a:t>We do normalization on each FOREX pair.</a:t>
+              <a:t>We use pickle to save prepared data and </a:t>
+            </a:r>
+            <a:r>
+              <a:rPr lang="en-US" sz="2400" smtClean="0"/>
+              <a:t>load them later.</a:t>
             </a:r>
             <a:endParaRPr sz="2400"/>
           </a:p>
@@ -6022,6 +6025,18 @@
             </a:pPr>
             <a:r>
               <a:rPr lang="en-US" sz="2400" dirty="0" smtClean="0"/>
+              <a:t>We do normalization on each FOREX pair.</a:t>
+            </a:r>
+            <a:endParaRPr sz="2400"/>
+          </a:p>
+          <a:p>
+            <a:pPr marL="427789" lvl="0" indent="-427789">
+              <a:buSzPct val="100000"/>
+              <a:buAutoNum type="arabicPeriod"/>
+              <a:defRPr sz="1800"/>
+            </a:pPr>
+            <a:r>
+              <a:rPr lang="en-US" sz="2400" dirty="0" smtClean="0"/>
               <a:t>We apply </a:t>
             </a:r>
             <a:r>
@@ -6030,11 +6045,7 @@
             </a:r>
             <a:r>
               <a:rPr lang="en-US" sz="2400" dirty="0" smtClean="0"/>
-              <a:t> </a:t>
-            </a:r>
-            <a:r>
-              <a:rPr lang="en-US" sz="2400" smtClean="0"/>
-              <a:t>on these 30 pairs.</a:t>
+              <a:t> on these 30 pairs.</a:t>
             </a:r>
             <a:endParaRPr sz="2400"/>
           </a:p>
